--- a/Milestone 7/ENSE 470, Milestone 7.pptx
+++ b/Milestone 7/ENSE 470, Milestone 7.pptx
@@ -26,6 +26,13 @@
     <p:sldId id="271" r:id="rId23"/>
     <p:sldId id="272" r:id="rId24"/>
     <p:sldId id="273" r:id="rId25"/>
+    <p:sldId id="274" r:id="rId26"/>
+    <p:sldId id="275" r:id="rId27"/>
+    <p:sldId id="276" r:id="rId28"/>
+    <p:sldId id="277" r:id="rId29"/>
+    <p:sldId id="278" r:id="rId30"/>
+    <p:sldId id="279" r:id="rId31"/>
+    <p:sldId id="280" r:id="rId32"/>
   </p:sldIdLst>
   <p:sldSz cx="9144000" cy="5143500"/>
   <p:notesSz cx="6858000" cy="9144000"/>
@@ -80,9 +87,9 @@
         </a:solidFill>
         <a:effectLst/>
         <a:uFillTx/>
-        <a:latin typeface="+mj-lt"/>
-        <a:ea typeface="+mj-ea"/>
-        <a:cs typeface="+mj-cs"/>
+        <a:latin typeface="+mn-lt"/>
+        <a:ea typeface="+mn-ea"/>
+        <a:cs typeface="+mn-cs"/>
         <a:sym typeface="Arial"/>
       </a:defRPr>
     </a:lvl1pPr>
@@ -110,9 +117,9 @@
         </a:solidFill>
         <a:effectLst/>
         <a:uFillTx/>
-        <a:latin typeface="+mj-lt"/>
-        <a:ea typeface="+mj-ea"/>
-        <a:cs typeface="+mj-cs"/>
+        <a:latin typeface="+mn-lt"/>
+        <a:ea typeface="+mn-ea"/>
+        <a:cs typeface="+mn-cs"/>
         <a:sym typeface="Arial"/>
       </a:defRPr>
     </a:lvl2pPr>
@@ -140,9 +147,9 @@
         </a:solidFill>
         <a:effectLst/>
         <a:uFillTx/>
-        <a:latin typeface="+mj-lt"/>
-        <a:ea typeface="+mj-ea"/>
-        <a:cs typeface="+mj-cs"/>
+        <a:latin typeface="+mn-lt"/>
+        <a:ea typeface="+mn-ea"/>
+        <a:cs typeface="+mn-cs"/>
         <a:sym typeface="Arial"/>
       </a:defRPr>
     </a:lvl3pPr>
@@ -170,9 +177,9 @@
         </a:solidFill>
         <a:effectLst/>
         <a:uFillTx/>
-        <a:latin typeface="+mj-lt"/>
-        <a:ea typeface="+mj-ea"/>
-        <a:cs typeface="+mj-cs"/>
+        <a:latin typeface="+mn-lt"/>
+        <a:ea typeface="+mn-ea"/>
+        <a:cs typeface="+mn-cs"/>
         <a:sym typeface="Arial"/>
       </a:defRPr>
     </a:lvl4pPr>
@@ -200,9 +207,9 @@
         </a:solidFill>
         <a:effectLst/>
         <a:uFillTx/>
-        <a:latin typeface="+mj-lt"/>
-        <a:ea typeface="+mj-ea"/>
-        <a:cs typeface="+mj-cs"/>
+        <a:latin typeface="+mn-lt"/>
+        <a:ea typeface="+mn-ea"/>
+        <a:cs typeface="+mn-cs"/>
         <a:sym typeface="Arial"/>
       </a:defRPr>
     </a:lvl5pPr>
@@ -230,9 +237,9 @@
         </a:solidFill>
         <a:effectLst/>
         <a:uFillTx/>
-        <a:latin typeface="+mj-lt"/>
-        <a:ea typeface="+mj-ea"/>
-        <a:cs typeface="+mj-cs"/>
+        <a:latin typeface="+mn-lt"/>
+        <a:ea typeface="+mn-ea"/>
+        <a:cs typeface="+mn-cs"/>
         <a:sym typeface="Arial"/>
       </a:defRPr>
     </a:lvl6pPr>
@@ -260,9 +267,9 @@
         </a:solidFill>
         <a:effectLst/>
         <a:uFillTx/>
-        <a:latin typeface="+mj-lt"/>
-        <a:ea typeface="+mj-ea"/>
-        <a:cs typeface="+mj-cs"/>
+        <a:latin typeface="+mn-lt"/>
+        <a:ea typeface="+mn-ea"/>
+        <a:cs typeface="+mn-cs"/>
         <a:sym typeface="Arial"/>
       </a:defRPr>
     </a:lvl7pPr>
@@ -290,9 +297,9 @@
         </a:solidFill>
         <a:effectLst/>
         <a:uFillTx/>
-        <a:latin typeface="+mj-lt"/>
-        <a:ea typeface="+mj-ea"/>
-        <a:cs typeface="+mj-cs"/>
+        <a:latin typeface="+mn-lt"/>
+        <a:ea typeface="+mn-ea"/>
+        <a:cs typeface="+mn-cs"/>
         <a:sym typeface="Arial"/>
       </a:defRPr>
     </a:lvl8pPr>
@@ -320,9 +327,9 @@
         </a:solidFill>
         <a:effectLst/>
         <a:uFillTx/>
-        <a:latin typeface="+mj-lt"/>
-        <a:ea typeface="+mj-ea"/>
-        <a:cs typeface="+mj-cs"/>
+        <a:latin typeface="+mn-lt"/>
+        <a:ea typeface="+mn-ea"/>
+        <a:cs typeface="+mn-cs"/>
         <a:sym typeface="Arial"/>
       </a:defRPr>
     </a:lvl9pPr>
@@ -353,7 +360,7 @@
       </p:grpSpPr>
       <p:sp>
         <p:nvSpPr>
-          <p:cNvPr id="186" name="Shape 186"/>
+          <p:cNvPr id="198" name="Shape 198"/>
           <p:cNvSpPr/>
           <p:nvPr>
             <p:ph type="sldImg"/>
@@ -378,7 +385,7 @@
       </p:sp>
       <p:sp>
         <p:nvSpPr>
-          <p:cNvPr id="187" name="Shape 187"/>
+          <p:cNvPr id="199" name="Shape 199"/>
           <p:cNvSpPr/>
           <p:nvPr>
             <p:ph type="body" sz="quarter" idx="1"/>
@@ -407,73 +414,73 @@
   <p:notesStyle>
     <a:lvl1pPr latinLnBrk="0">
       <a:defRPr sz="1400">
-        <a:latin typeface="+mj-lt"/>
-        <a:ea typeface="+mj-ea"/>
-        <a:cs typeface="+mj-cs"/>
+        <a:latin typeface="+mn-lt"/>
+        <a:ea typeface="+mn-ea"/>
+        <a:cs typeface="+mn-cs"/>
         <a:sym typeface="Arial"/>
       </a:defRPr>
     </a:lvl1pPr>
     <a:lvl2pPr indent="228600" latinLnBrk="0">
       <a:defRPr sz="1400">
-        <a:latin typeface="+mj-lt"/>
-        <a:ea typeface="+mj-ea"/>
-        <a:cs typeface="+mj-cs"/>
+        <a:latin typeface="+mn-lt"/>
+        <a:ea typeface="+mn-ea"/>
+        <a:cs typeface="+mn-cs"/>
         <a:sym typeface="Arial"/>
       </a:defRPr>
     </a:lvl2pPr>
     <a:lvl3pPr indent="457200" latinLnBrk="0">
       <a:defRPr sz="1400">
-        <a:latin typeface="+mj-lt"/>
-        <a:ea typeface="+mj-ea"/>
-        <a:cs typeface="+mj-cs"/>
+        <a:latin typeface="+mn-lt"/>
+        <a:ea typeface="+mn-ea"/>
+        <a:cs typeface="+mn-cs"/>
         <a:sym typeface="Arial"/>
       </a:defRPr>
     </a:lvl3pPr>
     <a:lvl4pPr indent="685800" latinLnBrk="0">
       <a:defRPr sz="1400">
-        <a:latin typeface="+mj-lt"/>
-        <a:ea typeface="+mj-ea"/>
-        <a:cs typeface="+mj-cs"/>
+        <a:latin typeface="+mn-lt"/>
+        <a:ea typeface="+mn-ea"/>
+        <a:cs typeface="+mn-cs"/>
         <a:sym typeface="Arial"/>
       </a:defRPr>
     </a:lvl4pPr>
     <a:lvl5pPr indent="914400" latinLnBrk="0">
       <a:defRPr sz="1400">
-        <a:latin typeface="+mj-lt"/>
-        <a:ea typeface="+mj-ea"/>
-        <a:cs typeface="+mj-cs"/>
+        <a:latin typeface="+mn-lt"/>
+        <a:ea typeface="+mn-ea"/>
+        <a:cs typeface="+mn-cs"/>
         <a:sym typeface="Arial"/>
       </a:defRPr>
     </a:lvl5pPr>
     <a:lvl6pPr indent="1143000" latinLnBrk="0">
       <a:defRPr sz="1400">
-        <a:latin typeface="+mj-lt"/>
-        <a:ea typeface="+mj-ea"/>
-        <a:cs typeface="+mj-cs"/>
+        <a:latin typeface="+mn-lt"/>
+        <a:ea typeface="+mn-ea"/>
+        <a:cs typeface="+mn-cs"/>
         <a:sym typeface="Arial"/>
       </a:defRPr>
     </a:lvl6pPr>
     <a:lvl7pPr indent="1371600" latinLnBrk="0">
       <a:defRPr sz="1400">
-        <a:latin typeface="+mj-lt"/>
-        <a:ea typeface="+mj-ea"/>
-        <a:cs typeface="+mj-cs"/>
+        <a:latin typeface="+mn-lt"/>
+        <a:ea typeface="+mn-ea"/>
+        <a:cs typeface="+mn-cs"/>
         <a:sym typeface="Arial"/>
       </a:defRPr>
     </a:lvl7pPr>
     <a:lvl8pPr indent="1600200" latinLnBrk="0">
       <a:defRPr sz="1400">
-        <a:latin typeface="+mj-lt"/>
-        <a:ea typeface="+mj-ea"/>
-        <a:cs typeface="+mj-cs"/>
+        <a:latin typeface="+mn-lt"/>
+        <a:ea typeface="+mn-ea"/>
+        <a:cs typeface="+mn-cs"/>
         <a:sym typeface="Arial"/>
       </a:defRPr>
     </a:lvl8pPr>
     <a:lvl9pPr indent="1828800" latinLnBrk="0">
       <a:defRPr sz="1400">
-        <a:latin typeface="+mj-lt"/>
-        <a:ea typeface="+mj-ea"/>
-        <a:cs typeface="+mj-cs"/>
+        <a:latin typeface="+mn-lt"/>
+        <a:ea typeface="+mn-ea"/>
+        <a:cs typeface="+mn-cs"/>
         <a:sym typeface="Arial"/>
       </a:defRPr>
     </a:lvl9pPr>
@@ -2568,6 +2575,312 @@
         </p:spPr>
         <p:txBody>
           <a:bodyPr/>
+          <a:lstStyle/>
+          <a:p>
+            <a:pPr/>
+            <a:fld id="{86CB4B4D-7CA3-9044-876B-883B54F8677D}" type="slidenum"/>
+          </a:p>
+        </p:txBody>
+      </p:sp>
+    </p:spTree>
+  </p:cSld>
+  <p:clrMapOvr>
+    <a:masterClrMapping/>
+  </p:clrMapOvr>
+  <p:transition xmlns:p14="http://schemas.microsoft.com/office/powerpoint/2010/main" spd="med" advClick="1"/>
+</p:sldLayout>
+</file>
+
+<file path=ppt/slideLayouts/slideLayout12.xml><?xml version="1.0" encoding="utf-8"?>
+<p:sldLayout xmlns:a="http://schemas.openxmlformats.org/drawingml/2006/main" xmlns:r="http://schemas.openxmlformats.org/officeDocument/2006/relationships" xmlns:p="http://schemas.openxmlformats.org/presentationml/2006/main" type="tx" showMasterSp="1" showMasterPhAnim="1">
+  <p:cSld name="TITLE_AND_BODY">
+    <p:spTree>
+      <p:nvGrpSpPr>
+        <p:cNvPr id="1" name=""/>
+        <p:cNvGrpSpPr/>
+        <p:nvPr/>
+      </p:nvGrpSpPr>
+      <p:grpSpPr>
+        <a:xfrm>
+          <a:off x="0" y="0"/>
+          <a:ext cx="0" cy="0"/>
+          <a:chOff x="0" y="0"/>
+          <a:chExt cx="0" cy="0"/>
+        </a:xfrm>
+      </p:grpSpPr>
+      <p:grpSp>
+        <p:nvGrpSpPr>
+          <p:cNvPr id="189" name="Shape 42"/>
+          <p:cNvGrpSpPr/>
+          <p:nvPr/>
+        </p:nvGrpSpPr>
+        <p:grpSpPr>
+          <a:xfrm>
+            <a:off x="-1" y="380998"/>
+            <a:ext cx="1037855" cy="1016293"/>
+            <a:chOff x="0" y="-1"/>
+            <a:chExt cx="1037853" cy="1016291"/>
+          </a:xfrm>
+        </p:grpSpPr>
+        <p:sp>
+          <p:nvSpPr>
+            <p:cNvPr id="187" name="Shape 43"/>
+            <p:cNvSpPr/>
+            <p:nvPr/>
+          </p:nvSpPr>
+          <p:spPr>
+            <a:xfrm rot="16200000">
+              <a:off x="0" y="-2"/>
+              <a:ext cx="808803" cy="808804"/>
+            </a:xfrm>
+            <a:custGeom>
+              <a:avLst/>
+              <a:gdLst/>
+              <a:ahLst/>
+              <a:cxnLst>
+                <a:cxn ang="0">
+                  <a:pos x="wd2" y="hd2"/>
+                </a:cxn>
+                <a:cxn ang="5400000">
+                  <a:pos x="wd2" y="hd2"/>
+                </a:cxn>
+                <a:cxn ang="10800000">
+                  <a:pos x="wd2" y="hd2"/>
+                </a:cxn>
+                <a:cxn ang="16200000">
+                  <a:pos x="wd2" y="hd2"/>
+                </a:cxn>
+              </a:cxnLst>
+              <a:rect l="0" t="0" r="r" b="b"/>
+              <a:pathLst>
+                <a:path w="21600" h="21600" fill="norm" stroke="1" extrusionOk="0">
+                  <a:moveTo>
+                    <a:pt x="0" y="10800"/>
+                  </a:moveTo>
+                  <a:lnTo>
+                    <a:pt x="10800" y="0"/>
+                  </a:lnTo>
+                  <a:lnTo>
+                    <a:pt x="21600" y="0"/>
+                  </a:lnTo>
+                  <a:lnTo>
+                    <a:pt x="0" y="21600"/>
+                  </a:lnTo>
+                  <a:close/>
+                </a:path>
+              </a:pathLst>
+            </a:custGeom>
+            <a:solidFill>
+              <a:schemeClr val="accent1"/>
+            </a:solidFill>
+            <a:ln w="12700" cap="flat">
+              <a:noFill/>
+              <a:miter lim="400000"/>
+            </a:ln>
+            <a:effectLst/>
+          </p:spPr>
+          <p:txBody>
+            <a:bodyPr wrap="square" lIns="45718" tIns="45718" rIns="45718" bIns="45718" numCol="1" anchor="ctr">
+              <a:noAutofit/>
+            </a:bodyPr>
+            <a:lstStyle/>
+            <a:p>
+              <a:pPr>
+                <a:defRPr>
+                  <a:solidFill>
+                    <a:srgbClr val="000000"/>
+                  </a:solidFill>
+                </a:defRPr>
+              </a:pPr>
+            </a:p>
+          </p:txBody>
+        </p:sp>
+        <p:sp>
+          <p:nvSpPr>
+            <p:cNvPr id="188" name="Shape 44"/>
+            <p:cNvSpPr/>
+            <p:nvPr/>
+          </p:nvSpPr>
+          <p:spPr>
+            <a:xfrm flipH="1">
+              <a:off x="229050" y="207487"/>
+              <a:ext cx="808804" cy="808804"/>
+            </a:xfrm>
+            <a:custGeom>
+              <a:avLst/>
+              <a:gdLst/>
+              <a:ahLst/>
+              <a:cxnLst>
+                <a:cxn ang="0">
+                  <a:pos x="wd2" y="hd2"/>
+                </a:cxn>
+                <a:cxn ang="5400000">
+                  <a:pos x="wd2" y="hd2"/>
+                </a:cxn>
+                <a:cxn ang="10800000">
+                  <a:pos x="wd2" y="hd2"/>
+                </a:cxn>
+                <a:cxn ang="16200000">
+                  <a:pos x="wd2" y="hd2"/>
+                </a:cxn>
+              </a:cxnLst>
+              <a:rect l="0" t="0" r="r" b="b"/>
+              <a:pathLst>
+                <a:path w="21600" h="21600" fill="norm" stroke="1" extrusionOk="0">
+                  <a:moveTo>
+                    <a:pt x="0" y="10800"/>
+                  </a:moveTo>
+                  <a:lnTo>
+                    <a:pt x="10800" y="0"/>
+                  </a:lnTo>
+                  <a:lnTo>
+                    <a:pt x="21600" y="0"/>
+                  </a:lnTo>
+                  <a:lnTo>
+                    <a:pt x="0" y="21600"/>
+                  </a:lnTo>
+                  <a:close/>
+                </a:path>
+              </a:pathLst>
+            </a:custGeom>
+            <a:solidFill>
+              <a:srgbClr val="82C7A5"/>
+            </a:solidFill>
+            <a:ln w="12700" cap="flat">
+              <a:noFill/>
+              <a:miter lim="400000"/>
+            </a:ln>
+            <a:effectLst/>
+          </p:spPr>
+          <p:txBody>
+            <a:bodyPr wrap="square" lIns="45718" tIns="45718" rIns="45718" bIns="45718" numCol="1" anchor="ctr">
+              <a:noAutofit/>
+            </a:bodyPr>
+            <a:lstStyle/>
+            <a:p>
+              <a:pPr>
+                <a:defRPr>
+                  <a:solidFill>
+                    <a:srgbClr val="000000"/>
+                  </a:solidFill>
+                </a:defRPr>
+              </a:pPr>
+            </a:p>
+          </p:txBody>
+        </p:sp>
+      </p:grpSp>
+      <p:sp>
+        <p:nvSpPr>
+          <p:cNvPr id="190" name="Title Text"/>
+          <p:cNvSpPr txBox="1"/>
+          <p:nvPr>
+            <p:ph type="title"/>
+          </p:nvPr>
+        </p:nvSpPr>
+        <p:spPr>
+          <a:xfrm>
+            <a:off x="1297498" y="393749"/>
+            <a:ext cx="7038903" cy="914102"/>
+          </a:xfrm>
+          <a:prstGeom prst="rect">
+            <a:avLst/>
+          </a:prstGeom>
+        </p:spPr>
+        <p:txBody>
+          <a:bodyPr lIns="91423" tIns="91423" rIns="91423" bIns="91423">
+            <a:normAutofit fontScale="100000" lnSpcReduction="0"/>
+          </a:bodyPr>
+          <a:lstStyle>
+            <a:lvl1pPr>
+              <a:defRPr sz="2400"/>
+            </a:lvl1pPr>
+          </a:lstStyle>
+          <a:p>
+            <a:pPr/>
+            <a:r>
+              <a:t>Title Text</a:t>
+            </a:r>
+          </a:p>
+        </p:txBody>
+      </p:sp>
+      <p:sp>
+        <p:nvSpPr>
+          <p:cNvPr id="191" name="Body Level One…"/>
+          <p:cNvSpPr txBox="1"/>
+          <p:nvPr>
+            <p:ph type="body" idx="1"/>
+          </p:nvPr>
+        </p:nvSpPr>
+        <p:spPr>
+          <a:xfrm>
+            <a:off x="1297498" y="1567548"/>
+            <a:ext cx="7038903" cy="2911202"/>
+          </a:xfrm>
+          <a:prstGeom prst="rect">
+            <a:avLst/>
+          </a:prstGeom>
+        </p:spPr>
+        <p:txBody>
+          <a:bodyPr lIns="91423" tIns="91423" rIns="91423" bIns="91423">
+            <a:normAutofit fontScale="100000" lnSpcReduction="0"/>
+          </a:bodyPr>
+          <a:lstStyle>
+            <a:lvl2pPr marL="968662" indent="-352712"/>
+            <a:lvl3pPr marL="1425862" indent="-352712"/>
+            <a:lvl4pPr marL="1883062" indent="-352712"/>
+            <a:lvl5pPr marL="2340262" indent="-352712"/>
+          </a:lstStyle>
+          <a:p>
+            <a:pPr/>
+            <a:r>
+              <a:t>Body Level One</a:t>
+            </a:r>
+          </a:p>
+          <a:p>
+            <a:pPr lvl="1"/>
+            <a:r>
+              <a:t>Body Level Two</a:t>
+            </a:r>
+          </a:p>
+          <a:p>
+            <a:pPr lvl="2"/>
+            <a:r>
+              <a:t>Body Level Three</a:t>
+            </a:r>
+          </a:p>
+          <a:p>
+            <a:pPr lvl="3"/>
+            <a:r>
+              <a:t>Body Level Four</a:t>
+            </a:r>
+          </a:p>
+          <a:p>
+            <a:pPr lvl="4"/>
+            <a:r>
+              <a:t>Body Level Five</a:t>
+            </a:r>
+          </a:p>
+        </p:txBody>
+      </p:sp>
+      <p:sp>
+        <p:nvSpPr>
+          <p:cNvPr id="192" name="Slide Number"/>
+          <p:cNvSpPr txBox="1"/>
+          <p:nvPr>
+            <p:ph type="sldNum" sz="quarter" idx="2"/>
+          </p:nvPr>
+        </p:nvSpPr>
+        <p:spPr>
+          <a:xfrm>
+            <a:off x="8684348" y="4692392"/>
+            <a:ext cx="336812" cy="335249"/>
+          </a:xfrm>
+          <a:prstGeom prst="rect">
+            <a:avLst/>
+          </a:prstGeom>
+        </p:spPr>
+        <p:txBody>
+          <a:bodyPr lIns="91423" tIns="91423" rIns="91423" bIns="91423"/>
           <a:lstStyle/>
           <a:p>
             <a:pPr/>
@@ -7470,6 +7783,7 @@
     <p:sldLayoutId id="2147483657" r:id="rId10"/>
     <p:sldLayoutId id="2147483658" r:id="rId11"/>
     <p:sldLayoutId id="2147483659" r:id="rId12"/>
+    <p:sldLayoutId id="2147483660" r:id="rId13"/>
   </p:sldLayoutIdLst>
   <p:transition xmlns:p14="http://schemas.microsoft.com/office/powerpoint/2010/main" spd="med" advClick="1"/>
   <p:txStyles>
@@ -8303,7 +8617,7 @@
       </p:grpSpPr>
       <p:sp>
         <p:nvSpPr>
-          <p:cNvPr id="189" name="Shape 134"/>
+          <p:cNvPr id="201" name="Shape 134"/>
           <p:cNvSpPr txBox="1"/>
           <p:nvPr>
             <p:ph type="ctrTitle"/>
@@ -8335,7 +8649,7 @@
       </p:sp>
       <p:sp>
         <p:nvSpPr>
-          <p:cNvPr id="190" name="Shape 135"/>
+          <p:cNvPr id="202" name="Shape 135"/>
           <p:cNvSpPr txBox="1"/>
           <p:nvPr>
             <p:ph type="subTitle" sz="quarter" idx="1"/>
@@ -8436,7 +8750,7 @@
       </p:grpSpPr>
       <p:sp>
         <p:nvSpPr>
-          <p:cNvPr id="224" name="Shape 196"/>
+          <p:cNvPr id="228" name="Shape 196"/>
           <p:cNvSpPr txBox="1"/>
           <p:nvPr>
             <p:ph type="title"/>
@@ -8464,7 +8778,7 @@
       </p:sp>
       <p:pic>
         <p:nvPicPr>
-          <p:cNvPr id="225" name="Shape 197" descr="Shape 197"/>
+          <p:cNvPr id="229" name="Shape 197" descr="Shape 197"/>
           <p:cNvPicPr>
             <a:picLocks noChangeAspect="1"/>
           </p:cNvPicPr>
@@ -8519,7 +8833,7 @@
       </p:grpSpPr>
       <p:sp>
         <p:nvSpPr>
-          <p:cNvPr id="227" name="Shape 202"/>
+          <p:cNvPr id="231" name="Shape 202"/>
           <p:cNvSpPr txBox="1"/>
           <p:nvPr>
             <p:ph type="title"/>
@@ -8547,7 +8861,7 @@
       </p:sp>
       <p:sp>
         <p:nvSpPr>
-          <p:cNvPr id="228" name="Shape 203"/>
+          <p:cNvPr id="232" name="Shape 203"/>
           <p:cNvSpPr txBox="1"/>
           <p:nvPr>
             <p:ph type="body" idx="1"/>
@@ -8666,9 +8980,515 @@
           <a:chExt cx="0" cy="0"/>
         </a:xfrm>
       </p:grpSpPr>
+      <p:pic>
+        <p:nvPicPr>
+          <p:cNvPr id="234" name="Screen Shot 2018-04-12 at 3.27.05 AM.png" descr="Screen Shot 2018-04-12 at 3.27.05 AM.png"/>
+          <p:cNvPicPr>
+            <a:picLocks noChangeAspect="1"/>
+          </p:cNvPicPr>
+          <p:nvPr/>
+        </p:nvPicPr>
+        <p:blipFill>
+          <a:blip r:embed="rId2">
+            <a:extLst/>
+          </a:blip>
+          <a:stretch>
+            <a:fillRect/>
+          </a:stretch>
+        </p:blipFill>
+        <p:spPr>
+          <a:xfrm>
+            <a:off x="19050" y="338931"/>
+            <a:ext cx="9105732" cy="4465441"/>
+          </a:xfrm>
+          <a:prstGeom prst="rect">
+            <a:avLst/>
+          </a:prstGeom>
+          <a:ln w="12700">
+            <a:miter lim="400000"/>
+          </a:ln>
+        </p:spPr>
+      </p:pic>
+    </p:spTree>
+  </p:cSld>
+  <p:clrMapOvr>
+    <a:masterClrMapping/>
+  </p:clrMapOvr>
+  <p:transition xmlns:p14="http://schemas.microsoft.com/office/powerpoint/2010/main" spd="med" advClick="1"/>
+</p:sld>
+</file>
+
+<file path=ppt/slides/slide13.xml><?xml version="1.0" encoding="utf-8"?>
+<p:sld xmlns:a="http://schemas.openxmlformats.org/drawingml/2006/main" xmlns:r="http://schemas.openxmlformats.org/officeDocument/2006/relationships" xmlns:p="http://schemas.openxmlformats.org/presentationml/2006/main" showMasterSp="1" showMasterPhAnim="1">
+  <p:cSld>
+    <p:spTree>
+      <p:nvGrpSpPr>
+        <p:cNvPr id="1" name=""/>
+        <p:cNvGrpSpPr/>
+        <p:nvPr/>
+      </p:nvGrpSpPr>
+      <p:grpSpPr>
+        <a:xfrm>
+          <a:off x="0" y="0"/>
+          <a:ext cx="0" cy="0"/>
+          <a:chOff x="0" y="0"/>
+          <a:chExt cx="0" cy="0"/>
+        </a:xfrm>
+      </p:grpSpPr>
+      <p:pic>
+        <p:nvPicPr>
+          <p:cNvPr id="236" name="Screen Shot 2018-04-12 at 3.28.04 AM.png" descr="Screen Shot 2018-04-12 at 3.28.04 AM.png"/>
+          <p:cNvPicPr>
+            <a:picLocks noChangeAspect="1"/>
+          </p:cNvPicPr>
+          <p:nvPr/>
+        </p:nvPicPr>
+        <p:blipFill>
+          <a:blip r:embed="rId2">
+            <a:extLst/>
+          </a:blip>
+          <a:stretch>
+            <a:fillRect/>
+          </a:stretch>
+        </p:blipFill>
+        <p:spPr>
+          <a:xfrm>
+            <a:off x="279400" y="1504950"/>
+            <a:ext cx="8585200" cy="2133600"/>
+          </a:xfrm>
+          <a:prstGeom prst="rect">
+            <a:avLst/>
+          </a:prstGeom>
+          <a:ln w="12700">
+            <a:miter lim="400000"/>
+          </a:ln>
+        </p:spPr>
+      </p:pic>
+    </p:spTree>
+  </p:cSld>
+  <p:clrMapOvr>
+    <a:masterClrMapping/>
+  </p:clrMapOvr>
+  <p:transition xmlns:p14="http://schemas.microsoft.com/office/powerpoint/2010/main" spd="med" advClick="1"/>
+</p:sld>
+</file>
+
+<file path=ppt/slides/slide14.xml><?xml version="1.0" encoding="utf-8"?>
+<p:sld xmlns:a="http://schemas.openxmlformats.org/drawingml/2006/main" xmlns:r="http://schemas.openxmlformats.org/officeDocument/2006/relationships" xmlns:p="http://schemas.openxmlformats.org/presentationml/2006/main" showMasterSp="1" showMasterPhAnim="1">
+  <p:cSld>
+    <p:spTree>
+      <p:nvGrpSpPr>
+        <p:cNvPr id="1" name=""/>
+        <p:cNvGrpSpPr/>
+        <p:nvPr/>
+      </p:nvGrpSpPr>
+      <p:grpSpPr>
+        <a:xfrm>
+          <a:off x="0" y="0"/>
+          <a:ext cx="0" cy="0"/>
+          <a:chOff x="0" y="0"/>
+          <a:chExt cx="0" cy="0"/>
+        </a:xfrm>
+      </p:grpSpPr>
+      <p:pic>
+        <p:nvPicPr>
+          <p:cNvPr id="238" name="Screen Shot 2018-04-12 at 3.27.27 AM.png" descr="Screen Shot 2018-04-12 at 3.27.27 AM.png"/>
+          <p:cNvPicPr>
+            <a:picLocks noChangeAspect="1"/>
+          </p:cNvPicPr>
+          <p:nvPr/>
+        </p:nvPicPr>
+        <p:blipFill>
+          <a:blip r:embed="rId2">
+            <a:extLst/>
+          </a:blip>
+          <a:stretch>
+            <a:fillRect/>
+          </a:stretch>
+        </p:blipFill>
+        <p:spPr>
+          <a:xfrm>
+            <a:off x="48977" y="634266"/>
+            <a:ext cx="9046046" cy="3874968"/>
+          </a:xfrm>
+          <a:prstGeom prst="rect">
+            <a:avLst/>
+          </a:prstGeom>
+          <a:ln w="12700">
+            <a:miter lim="400000"/>
+          </a:ln>
+        </p:spPr>
+      </p:pic>
+    </p:spTree>
+  </p:cSld>
+  <p:clrMapOvr>
+    <a:masterClrMapping/>
+  </p:clrMapOvr>
+  <p:transition xmlns:p14="http://schemas.microsoft.com/office/powerpoint/2010/main" spd="med" advClick="1"/>
+</p:sld>
+</file>
+
+<file path=ppt/slides/slide15.xml><?xml version="1.0" encoding="utf-8"?>
+<p:sld xmlns:a="http://schemas.openxmlformats.org/drawingml/2006/main" xmlns:r="http://schemas.openxmlformats.org/officeDocument/2006/relationships" xmlns:p="http://schemas.openxmlformats.org/presentationml/2006/main" showMasterSp="1" showMasterPhAnim="1">
+  <p:cSld>
+    <p:spTree>
+      <p:nvGrpSpPr>
+        <p:cNvPr id="1" name=""/>
+        <p:cNvGrpSpPr/>
+        <p:nvPr/>
+      </p:nvGrpSpPr>
+      <p:grpSpPr>
+        <a:xfrm>
+          <a:off x="0" y="0"/>
+          <a:ext cx="0" cy="0"/>
+          <a:chOff x="0" y="0"/>
+          <a:chExt cx="0" cy="0"/>
+        </a:xfrm>
+      </p:grpSpPr>
+      <p:pic>
+        <p:nvPicPr>
+          <p:cNvPr id="240" name="Screen Shot 2018-04-12 at 3.28.21 AM.png" descr="Screen Shot 2018-04-12 at 3.28.21 AM.png"/>
+          <p:cNvPicPr>
+            <a:picLocks noChangeAspect="1"/>
+          </p:cNvPicPr>
+          <p:nvPr/>
+        </p:nvPicPr>
+        <p:blipFill>
+          <a:blip r:embed="rId2">
+            <a:extLst/>
+          </a:blip>
+          <a:stretch>
+            <a:fillRect/>
+          </a:stretch>
+        </p:blipFill>
+        <p:spPr>
+          <a:xfrm>
+            <a:off x="273050" y="161081"/>
+            <a:ext cx="8597900" cy="2273301"/>
+          </a:xfrm>
+          <a:prstGeom prst="rect">
+            <a:avLst/>
+          </a:prstGeom>
+          <a:ln w="12700">
+            <a:miter lim="400000"/>
+          </a:ln>
+        </p:spPr>
+      </p:pic>
+      <p:pic>
+        <p:nvPicPr>
+          <p:cNvPr id="241" name="Screen Shot 2018-04-12 at 3.28.32 AM.png" descr="Screen Shot 2018-04-12 at 3.28.32 AM.png"/>
+          <p:cNvPicPr>
+            <a:picLocks noChangeAspect="1"/>
+          </p:cNvPicPr>
+          <p:nvPr/>
+        </p:nvPicPr>
+        <p:blipFill>
+          <a:blip r:embed="rId3">
+            <a:extLst/>
+          </a:blip>
+          <a:stretch>
+            <a:fillRect/>
+          </a:stretch>
+        </p:blipFill>
+        <p:spPr>
+          <a:xfrm>
+            <a:off x="285750" y="2659608"/>
+            <a:ext cx="8572500" cy="2146301"/>
+          </a:xfrm>
+          <a:prstGeom prst="rect">
+            <a:avLst/>
+          </a:prstGeom>
+          <a:ln w="12700">
+            <a:miter lim="400000"/>
+          </a:ln>
+        </p:spPr>
+      </p:pic>
+    </p:spTree>
+  </p:cSld>
+  <p:clrMapOvr>
+    <a:masterClrMapping/>
+  </p:clrMapOvr>
+  <p:transition xmlns:p14="http://schemas.microsoft.com/office/powerpoint/2010/main" spd="med" advClick="1"/>
+</p:sld>
+</file>
+
+<file path=ppt/slides/slide16.xml><?xml version="1.0" encoding="utf-8"?>
+<p:sld xmlns:a="http://schemas.openxmlformats.org/drawingml/2006/main" xmlns:r="http://schemas.openxmlformats.org/officeDocument/2006/relationships" xmlns:p="http://schemas.openxmlformats.org/presentationml/2006/main" showMasterSp="1" showMasterPhAnim="1">
+  <p:cSld>
+    <p:spTree>
+      <p:nvGrpSpPr>
+        <p:cNvPr id="1" name=""/>
+        <p:cNvGrpSpPr/>
+        <p:nvPr/>
+      </p:nvGrpSpPr>
+      <p:grpSpPr>
+        <a:xfrm>
+          <a:off x="0" y="0"/>
+          <a:ext cx="0" cy="0"/>
+          <a:chOff x="0" y="0"/>
+          <a:chExt cx="0" cy="0"/>
+        </a:xfrm>
+      </p:grpSpPr>
+      <p:pic>
+        <p:nvPicPr>
+          <p:cNvPr id="243" name="Screen Shot 2018-04-12 at 3.28.53 AM.png" descr="Screen Shot 2018-04-12 at 3.28.53 AM.png"/>
+          <p:cNvPicPr>
+            <a:picLocks noChangeAspect="1"/>
+          </p:cNvPicPr>
+          <p:nvPr/>
+        </p:nvPicPr>
+        <p:blipFill>
+          <a:blip r:embed="rId2">
+            <a:extLst/>
+          </a:blip>
+          <a:stretch>
+            <a:fillRect/>
+          </a:stretch>
+        </p:blipFill>
+        <p:spPr>
+          <a:xfrm>
+            <a:off x="273050" y="246905"/>
+            <a:ext cx="8597900" cy="2159001"/>
+          </a:xfrm>
+          <a:prstGeom prst="rect">
+            <a:avLst/>
+          </a:prstGeom>
+          <a:ln w="12700">
+            <a:miter lim="400000"/>
+          </a:ln>
+        </p:spPr>
+      </p:pic>
+      <p:pic>
+        <p:nvPicPr>
+          <p:cNvPr id="244" name="Screen Shot 2018-04-12 at 3.29.14 AM.png" descr="Screen Shot 2018-04-12 at 3.29.14 AM.png"/>
+          <p:cNvPicPr>
+            <a:picLocks noChangeAspect="1"/>
+          </p:cNvPicPr>
+          <p:nvPr/>
+        </p:nvPicPr>
+        <p:blipFill>
+          <a:blip r:embed="rId3">
+            <a:extLst/>
+          </a:blip>
+          <a:stretch>
+            <a:fillRect/>
+          </a:stretch>
+        </p:blipFill>
+        <p:spPr>
+          <a:xfrm>
+            <a:off x="273050" y="2682329"/>
+            <a:ext cx="8597900" cy="2133601"/>
+          </a:xfrm>
+          <a:prstGeom prst="rect">
+            <a:avLst/>
+          </a:prstGeom>
+          <a:ln w="12700">
+            <a:miter lim="400000"/>
+          </a:ln>
+        </p:spPr>
+      </p:pic>
+    </p:spTree>
+  </p:cSld>
+  <p:clrMapOvr>
+    <a:masterClrMapping/>
+  </p:clrMapOvr>
+  <p:transition xmlns:p14="http://schemas.microsoft.com/office/powerpoint/2010/main" spd="med" advClick="1"/>
+</p:sld>
+</file>
+
+<file path=ppt/slides/slide17.xml><?xml version="1.0" encoding="utf-8"?>
+<p:sld xmlns:a="http://schemas.openxmlformats.org/drawingml/2006/main" xmlns:r="http://schemas.openxmlformats.org/officeDocument/2006/relationships" xmlns:p="http://schemas.openxmlformats.org/presentationml/2006/main" showMasterSp="1" showMasterPhAnim="1">
+  <p:cSld>
+    <p:spTree>
+      <p:nvGrpSpPr>
+        <p:cNvPr id="1" name=""/>
+        <p:cNvGrpSpPr/>
+        <p:nvPr/>
+      </p:nvGrpSpPr>
+      <p:grpSpPr>
+        <a:xfrm>
+          <a:off x="0" y="0"/>
+          <a:ext cx="0" cy="0"/>
+          <a:chOff x="0" y="0"/>
+          <a:chExt cx="0" cy="0"/>
+        </a:xfrm>
+      </p:grpSpPr>
+      <p:pic>
+        <p:nvPicPr>
+          <p:cNvPr id="246" name="Screen Shot 2018-04-12 at 3.29.41 AM.png" descr="Screen Shot 2018-04-12 at 3.29.41 AM.png"/>
+          <p:cNvPicPr>
+            <a:picLocks noChangeAspect="1"/>
+          </p:cNvPicPr>
+          <p:nvPr/>
+        </p:nvPicPr>
+        <p:blipFill>
+          <a:blip r:embed="rId2">
+            <a:extLst/>
+          </a:blip>
+          <a:stretch>
+            <a:fillRect/>
+          </a:stretch>
+        </p:blipFill>
+        <p:spPr>
+          <a:xfrm>
+            <a:off x="273050" y="1403350"/>
+            <a:ext cx="8597900" cy="2336800"/>
+          </a:xfrm>
+          <a:prstGeom prst="rect">
+            <a:avLst/>
+          </a:prstGeom>
+          <a:ln w="12700">
+            <a:miter lim="400000"/>
+          </a:ln>
+        </p:spPr>
+      </p:pic>
+    </p:spTree>
+  </p:cSld>
+  <p:clrMapOvr>
+    <a:masterClrMapping/>
+  </p:clrMapOvr>
+  <p:transition xmlns:p14="http://schemas.microsoft.com/office/powerpoint/2010/main" spd="med" advClick="1"/>
+</p:sld>
+</file>
+
+<file path=ppt/slides/slide18.xml><?xml version="1.0" encoding="utf-8"?>
+<p:sld xmlns:a="http://schemas.openxmlformats.org/drawingml/2006/main" xmlns:r="http://schemas.openxmlformats.org/officeDocument/2006/relationships" xmlns:p="http://schemas.openxmlformats.org/presentationml/2006/main" showMasterSp="1" showMasterPhAnim="1">
+  <p:cSld>
+    <p:spTree>
+      <p:nvGrpSpPr>
+        <p:cNvPr id="1" name=""/>
+        <p:cNvGrpSpPr/>
+        <p:nvPr/>
+      </p:nvGrpSpPr>
+      <p:grpSpPr>
+        <a:xfrm>
+          <a:off x="0" y="0"/>
+          <a:ext cx="0" cy="0"/>
+          <a:chOff x="0" y="0"/>
+          <a:chExt cx="0" cy="0"/>
+        </a:xfrm>
+      </p:grpSpPr>
       <p:sp>
         <p:nvSpPr>
-          <p:cNvPr id="230" name="Shape 208"/>
+          <p:cNvPr id="248" name="ATDD REVIEW"/>
+          <p:cNvSpPr txBox="1"/>
+          <p:nvPr>
+            <p:ph type="title"/>
+          </p:nvPr>
+        </p:nvSpPr>
+        <p:spPr>
+          <a:xfrm>
+            <a:off x="1297499" y="432094"/>
+            <a:ext cx="7038901" cy="914102"/>
+          </a:xfrm>
+          <a:prstGeom prst="rect">
+            <a:avLst/>
+          </a:prstGeom>
+        </p:spPr>
+        <p:txBody>
+          <a:bodyPr/>
+          <a:lstStyle/>
+          <a:p>
+            <a:pPr/>
+            <a:r>
+              <a:t>ATDD REVIEW </a:t>
+            </a:r>
+          </a:p>
+        </p:txBody>
+      </p:sp>
+      <p:sp>
+        <p:nvSpPr>
+          <p:cNvPr id="249" name="Their ATDD’s were relative easy to find on GitHub…"/>
+          <p:cNvSpPr txBox="1"/>
+          <p:nvPr>
+            <p:ph type="body" idx="1"/>
+          </p:nvPr>
+        </p:nvSpPr>
+        <p:spPr>
+          <a:prstGeom prst="rect">
+            <a:avLst/>
+          </a:prstGeom>
+        </p:spPr>
+        <p:txBody>
+          <a:bodyPr/>
+          <a:lstStyle/>
+          <a:p>
+            <a:pPr lvl="1" marL="685800" indent="-228600">
+              <a:lnSpc>
+                <a:spcPct val="100000"/>
+              </a:lnSpc>
+              <a:spcBef>
+                <a:spcPts val="500"/>
+              </a:spcBef>
+              <a:buClrTx/>
+              <a:buSzPct val="100000"/>
+              <a:buFont typeface="Arial"/>
+              <a:buChar char="•"/>
+              <a:defRPr sz="1900">
+                <a:latin typeface="Calibri"/>
+                <a:ea typeface="Calibri"/>
+                <a:cs typeface="Calibri"/>
+                <a:sym typeface="Calibri"/>
+              </a:defRPr>
+            </a:pPr>
+            <a:r>
+              <a:t>Their ATDD’s were relative easy to find on GitHub</a:t>
+            </a:r>
+          </a:p>
+          <a:p>
+            <a:pPr lvl="1" marL="685800" indent="-228600">
+              <a:lnSpc>
+                <a:spcPct val="100000"/>
+              </a:lnSpc>
+              <a:spcBef>
+                <a:spcPts val="500"/>
+              </a:spcBef>
+              <a:buClrTx/>
+              <a:buSzPct val="100000"/>
+              <a:buFont typeface="Arial"/>
+              <a:buChar char="•"/>
+              <a:defRPr sz="1900">
+                <a:latin typeface="Calibri"/>
+                <a:ea typeface="Calibri"/>
+                <a:cs typeface="Calibri"/>
+                <a:sym typeface="Calibri"/>
+              </a:defRPr>
+            </a:pPr>
+            <a:r>
+              <a:t>From the ATDD tests provided from Milestone 5 only 4 of them failed out of 12</a:t>
+            </a:r>
+          </a:p>
+        </p:txBody>
+      </p:sp>
+    </p:spTree>
+  </p:cSld>
+  <p:clrMapOvr>
+    <a:masterClrMapping/>
+  </p:clrMapOvr>
+  <p:transition xmlns:p14="http://schemas.microsoft.com/office/powerpoint/2010/main" spd="med" advClick="1"/>
+</p:sld>
+</file>
+
+<file path=ppt/slides/slide19.xml><?xml version="1.0" encoding="utf-8"?>
+<p:sld xmlns:a="http://schemas.openxmlformats.org/drawingml/2006/main" xmlns:r="http://schemas.openxmlformats.org/officeDocument/2006/relationships" xmlns:p="http://schemas.openxmlformats.org/presentationml/2006/main" showMasterSp="1" showMasterPhAnim="1">
+  <p:cSld>
+    <p:spTree>
+      <p:nvGrpSpPr>
+        <p:cNvPr id="1" name=""/>
+        <p:cNvGrpSpPr/>
+        <p:nvPr/>
+      </p:nvGrpSpPr>
+      <p:grpSpPr>
+        <a:xfrm>
+          <a:off x="0" y="0"/>
+          <a:ext cx="0" cy="0"/>
+          <a:chOff x="0" y="0"/>
+          <a:chExt cx="0" cy="0"/>
+        </a:xfrm>
+      </p:grpSpPr>
+      <p:sp>
+        <p:nvSpPr>
+          <p:cNvPr id="251" name="Shape 208"/>
           <p:cNvSpPr txBox="1"/>
           <p:nvPr>
             <p:ph type="title"/>
@@ -8696,7 +9516,7 @@
       </p:sp>
       <p:sp>
         <p:nvSpPr>
-          <p:cNvPr id="231" name="Shape 209"/>
+          <p:cNvPr id="252" name="Shape 209"/>
           <p:cNvSpPr txBox="1"/>
           <p:nvPr>
             <p:ph type="body" idx="1"/>
@@ -8704,7 +9524,7 @@
         </p:nvSpPr>
         <p:spPr>
           <a:xfrm>
-            <a:off x="253350" y="1412849"/>
+            <a:off x="100950" y="1425549"/>
             <a:ext cx="7038900" cy="2911202"/>
           </a:xfrm>
           <a:prstGeom prst="rect">
@@ -8754,7 +9574,7 @@
       </p:sp>
       <p:pic>
         <p:nvPicPr>
-          <p:cNvPr id="232" name="Shape 210" descr="Shape 210"/>
+          <p:cNvPr id="253" name="Shape 210" descr="Shape 210"/>
           <p:cNvPicPr>
             <a:picLocks noChangeAspect="1"/>
           </p:cNvPicPr>
@@ -8790,7 +9610,7 @@
 </p:sld>
 </file>
 
-<file path=ppt/slides/slide13.xml><?xml version="1.0" encoding="utf-8"?>
+<file path=ppt/slides/slide2.xml><?xml version="1.0" encoding="utf-8"?>
 <p:sld xmlns:a="http://schemas.openxmlformats.org/drawingml/2006/main" xmlns:r="http://schemas.openxmlformats.org/officeDocument/2006/relationships" xmlns:p="http://schemas.openxmlformats.org/presentationml/2006/main" showMasterSp="1" showMasterPhAnim="1">
   <p:cSld>
     <p:spTree>
@@ -8809,7 +9629,90 @@
       </p:grpSpPr>
       <p:sp>
         <p:nvSpPr>
-          <p:cNvPr id="234" name="Shape 215"/>
+          <p:cNvPr id="204" name="Shape 140"/>
+          <p:cNvSpPr txBox="1"/>
+          <p:nvPr>
+            <p:ph type="title"/>
+          </p:nvPr>
+        </p:nvSpPr>
+        <p:spPr>
+          <a:xfrm>
+            <a:off x="1297500" y="393749"/>
+            <a:ext cx="7038900" cy="914102"/>
+          </a:xfrm>
+          <a:prstGeom prst="rect">
+            <a:avLst/>
+          </a:prstGeom>
+        </p:spPr>
+        <p:txBody>
+          <a:bodyPr/>
+          <a:lstStyle/>
+          <a:p>
+            <a:pPr/>
+            <a:r>
+              <a:t>Screenshots of Timbits completed product</a:t>
+            </a:r>
+          </a:p>
+        </p:txBody>
+      </p:sp>
+      <p:pic>
+        <p:nvPicPr>
+          <p:cNvPr id="205" name="Shape 142" descr="Shape 142"/>
+          <p:cNvPicPr>
+            <a:picLocks noChangeAspect="1"/>
+          </p:cNvPicPr>
+          <p:nvPr/>
+        </p:nvPicPr>
+        <p:blipFill>
+          <a:blip r:embed="rId2">
+            <a:extLst/>
+          </a:blip>
+          <a:stretch>
+            <a:fillRect/>
+          </a:stretch>
+        </p:blipFill>
+        <p:spPr>
+          <a:xfrm>
+            <a:off x="972024" y="1157868"/>
+            <a:ext cx="7689851" cy="3828108"/>
+          </a:xfrm>
+          <a:prstGeom prst="rect">
+            <a:avLst/>
+          </a:prstGeom>
+          <a:ln w="12700">
+            <a:miter lim="400000"/>
+          </a:ln>
+        </p:spPr>
+      </p:pic>
+    </p:spTree>
+  </p:cSld>
+  <p:clrMapOvr>
+    <a:masterClrMapping/>
+  </p:clrMapOvr>
+  <p:transition xmlns:p14="http://schemas.microsoft.com/office/powerpoint/2010/main" spd="med" advClick="1"/>
+</p:sld>
+</file>
+
+<file path=ppt/slides/slide20.xml><?xml version="1.0" encoding="utf-8"?>
+<p:sld xmlns:a="http://schemas.openxmlformats.org/drawingml/2006/main" xmlns:r="http://schemas.openxmlformats.org/officeDocument/2006/relationships" xmlns:p="http://schemas.openxmlformats.org/presentationml/2006/main" showMasterSp="1" showMasterPhAnim="1">
+  <p:cSld>
+    <p:spTree>
+      <p:nvGrpSpPr>
+        <p:cNvPr id="1" name=""/>
+        <p:cNvGrpSpPr/>
+        <p:nvPr/>
+      </p:nvGrpSpPr>
+      <p:grpSpPr>
+        <a:xfrm>
+          <a:off x="0" y="0"/>
+          <a:ext cx="0" cy="0"/>
+          <a:chOff x="0" y="0"/>
+          <a:chExt cx="0" cy="0"/>
+        </a:xfrm>
+      </p:grpSpPr>
+      <p:sp>
+        <p:nvSpPr>
+          <p:cNvPr id="255" name="Shape 215"/>
           <p:cNvSpPr txBox="1"/>
           <p:nvPr>
             <p:ph type="title"/>
@@ -8837,7 +9740,7 @@
       </p:sp>
       <p:sp>
         <p:nvSpPr>
-          <p:cNvPr id="235" name="Shape 216"/>
+          <p:cNvPr id="256" name="Shape 216"/>
           <p:cNvSpPr txBox="1"/>
           <p:nvPr>
             <p:ph type="body" idx="1"/>
@@ -8891,8 +9794,79 @@
               <a:t>	- Too many parameters being passed into a method</a:t>
             </a:r>
           </a:p>
+          <a:p>
+            <a:pPr marL="0" indent="0">
+              <a:spcBef>
+                <a:spcPts val="1600"/>
+              </a:spcBef>
+              <a:buSzTx/>
+              <a:buNone/>
+              <a:defRPr sz="1800"/>
+            </a:pPr>
+            <a:r>
+              <a:t>Example: </a:t>
+            </a:r>
+          </a:p>
         </p:txBody>
       </p:sp>
+      <p:pic>
+        <p:nvPicPr>
+          <p:cNvPr id="257" name="Screen Shot 2018-04-12 at 8.44.52 AM.png" descr="Screen Shot 2018-04-12 at 8.44.52 AM.png"/>
+          <p:cNvPicPr>
+            <a:picLocks noChangeAspect="1"/>
+          </p:cNvPicPr>
+          <p:nvPr/>
+        </p:nvPicPr>
+        <p:blipFill>
+          <a:blip r:embed="rId2">
+            <a:extLst/>
+          </a:blip>
+          <a:stretch>
+            <a:fillRect/>
+          </a:stretch>
+        </p:blipFill>
+        <p:spPr>
+          <a:xfrm>
+            <a:off x="0" y="2968762"/>
+            <a:ext cx="9144000" cy="777998"/>
+          </a:xfrm>
+          <a:prstGeom prst="rect">
+            <a:avLst/>
+          </a:prstGeom>
+          <a:ln w="12700">
+            <a:miter lim="400000"/>
+          </a:ln>
+        </p:spPr>
+      </p:pic>
+      <p:pic>
+        <p:nvPicPr>
+          <p:cNvPr id="258" name="Screen Shot 2018-04-12 at 8.46.22 AM.png" descr="Screen Shot 2018-04-12 at 8.46.22 AM.png"/>
+          <p:cNvPicPr>
+            <a:picLocks noChangeAspect="1"/>
+          </p:cNvPicPr>
+          <p:nvPr/>
+        </p:nvPicPr>
+        <p:blipFill>
+          <a:blip r:embed="rId3">
+            <a:extLst/>
+          </a:blip>
+          <a:stretch>
+            <a:fillRect/>
+          </a:stretch>
+        </p:blipFill>
+        <p:spPr>
+          <a:xfrm>
+            <a:off x="0" y="4042317"/>
+            <a:ext cx="9144000" cy="208466"/>
+          </a:xfrm>
+          <a:prstGeom prst="rect">
+            <a:avLst/>
+          </a:prstGeom>
+          <a:ln w="12700">
+            <a:miter lim="400000"/>
+          </a:ln>
+        </p:spPr>
+      </p:pic>
     </p:spTree>
   </p:cSld>
   <p:clrMapOvr>
@@ -8902,7 +9876,7 @@
 </p:sld>
 </file>
 
-<file path=ppt/slides/slide14.xml><?xml version="1.0" encoding="utf-8"?>
+<file path=ppt/slides/slide21.xml><?xml version="1.0" encoding="utf-8"?>
 <p:sld xmlns:a="http://schemas.openxmlformats.org/drawingml/2006/main" xmlns:r="http://schemas.openxmlformats.org/officeDocument/2006/relationships" xmlns:p="http://schemas.openxmlformats.org/presentationml/2006/main" showMasterSp="1" showMasterPhAnim="1">
   <p:cSld>
     <p:spTree>
@@ -8921,7 +9895,7 @@
       </p:grpSpPr>
       <p:sp>
         <p:nvSpPr>
-          <p:cNvPr id="237" name="Shape 221"/>
+          <p:cNvPr id="260" name="Shape 221"/>
           <p:cNvSpPr txBox="1"/>
           <p:nvPr>
             <p:ph type="title"/>
@@ -8929,7 +9903,7 @@
         </p:nvSpPr>
         <p:spPr>
           <a:xfrm>
-            <a:off x="1297500" y="393749"/>
+            <a:off x="1052550" y="432094"/>
             <a:ext cx="7038900" cy="914102"/>
           </a:xfrm>
           <a:prstGeom prst="rect">
@@ -8949,7 +9923,7 @@
       </p:sp>
       <p:sp>
         <p:nvSpPr>
-          <p:cNvPr id="238" name="Shape 222"/>
+          <p:cNvPr id="261" name="Shape 222"/>
           <p:cNvSpPr txBox="1"/>
           <p:nvPr>
             <p:ph type="body" idx="1"/>
@@ -8957,7 +9931,7 @@
         </p:nvSpPr>
         <p:spPr>
           <a:xfrm>
-            <a:off x="976500" y="890774"/>
+            <a:off x="976500" y="1144774"/>
             <a:ext cx="5309700" cy="3692101"/>
           </a:xfrm>
           <a:prstGeom prst="rect">
@@ -9020,7 +9994,7 @@
       </p:sp>
       <p:pic>
         <p:nvPicPr>
-          <p:cNvPr id="239" name="Shape 223" descr="Shape 223"/>
+          <p:cNvPr id="262" name="Shape 223" descr="Shape 223"/>
           <p:cNvPicPr>
             <a:picLocks noChangeAspect="1"/>
           </p:cNvPicPr>
@@ -9056,7 +10030,7 @@
 </p:sld>
 </file>
 
-<file path=ppt/slides/slide15.xml><?xml version="1.0" encoding="utf-8"?>
+<file path=ppt/slides/slide22.xml><?xml version="1.0" encoding="utf-8"?>
 <p:sld xmlns:a="http://schemas.openxmlformats.org/drawingml/2006/main" xmlns:r="http://schemas.openxmlformats.org/officeDocument/2006/relationships" xmlns:p="http://schemas.openxmlformats.org/presentationml/2006/main" showMasterSp="1" showMasterPhAnim="1">
   <p:cSld>
     <p:spTree>
@@ -9075,13 +10049,17 @@
       </p:grpSpPr>
       <p:sp>
         <p:nvSpPr>
-          <p:cNvPr id="241" name="Refactor review"/>
+          <p:cNvPr id="264" name="Refactor review"/>
           <p:cNvSpPr txBox="1"/>
           <p:nvPr>
             <p:ph type="title"/>
           </p:nvPr>
         </p:nvSpPr>
         <p:spPr>
+          <a:xfrm>
+            <a:off x="1297498" y="393749"/>
+            <a:ext cx="7038903" cy="914101"/>
+          </a:xfrm>
           <a:prstGeom prst="rect">
             <a:avLst/>
           </a:prstGeom>
@@ -9099,7 +10077,7 @@
       </p:sp>
       <p:sp>
         <p:nvSpPr>
-          <p:cNvPr id="242" name="Code smells…"/>
+          <p:cNvPr id="265" name="Code smells…"/>
           <p:cNvSpPr txBox="1"/>
           <p:nvPr>
             <p:ph type="body" idx="1"/>
@@ -9107,8 +10085,8 @@
         </p:nvSpPr>
         <p:spPr>
           <a:xfrm>
-            <a:off x="1297499" y="1116149"/>
-            <a:ext cx="7038901" cy="2911202"/>
+            <a:off x="1297498" y="1116149"/>
+            <a:ext cx="7038903" cy="2911202"/>
           </a:xfrm>
           <a:prstGeom prst="rect">
             <a:avLst/>
@@ -9128,18 +10106,18 @@
             </a:r>
           </a:p>
           <a:p>
-            <a:pPr marL="576873" indent="-430823">
+            <a:pPr marL="576872" indent="-430822">
               <a:spcBef>
                 <a:spcPts val="1600"/>
               </a:spcBef>
               <a:buSzPts val="1800"/>
-              <a:defRPr sz="1800"/>
+              <a:defRPr b="1" sz="1800"/>
             </a:pPr>
             <a:r>
-              <a:rPr b="1"/>
               <a:t>Documentation:</a:t>
             </a:r>
             <a:r>
+              <a:rPr b="0"/>
               <a:t> Documentation plays a vital role when it comes to development. One should always have comments that explains the logic of an entire program or the different code segments in the program.</a:t>
             </a:r>
           </a:p>
@@ -9154,7 +10132,7 @@
 </p:sld>
 </file>
 
-<file path=ppt/slides/slide16.xml><?xml version="1.0" encoding="utf-8"?>
+<file path=ppt/slides/slide23.xml><?xml version="1.0" encoding="utf-8"?>
 <p:sld xmlns:a="http://schemas.openxmlformats.org/drawingml/2006/main" xmlns:r="http://schemas.openxmlformats.org/officeDocument/2006/relationships" xmlns:p="http://schemas.openxmlformats.org/presentationml/2006/main" showMasterSp="1" showMasterPhAnim="1">
   <p:cSld>
     <p:spTree>
@@ -9173,7 +10151,7 @@
       </p:grpSpPr>
       <p:sp>
         <p:nvSpPr>
-          <p:cNvPr id="244" name="Shape 228"/>
+          <p:cNvPr id="267" name="Shape 228"/>
           <p:cNvSpPr txBox="1"/>
           <p:nvPr>
             <p:ph type="title"/>
@@ -9201,7 +10179,7 @@
       </p:sp>
       <p:sp>
         <p:nvSpPr>
-          <p:cNvPr id="245" name="Shape 229"/>
+          <p:cNvPr id="268" name="Shape 229"/>
           <p:cNvSpPr txBox="1"/>
           <p:nvPr>
             <p:ph type="body" idx="1"/>
@@ -9266,7 +10244,7 @@
 </p:sld>
 </file>
 
-<file path=ppt/slides/slide17.xml><?xml version="1.0" encoding="utf-8"?>
+<file path=ppt/slides/slide24.xml><?xml version="1.0" encoding="utf-8"?>
 <p:sld xmlns:a="http://schemas.openxmlformats.org/drawingml/2006/main" xmlns:r="http://schemas.openxmlformats.org/officeDocument/2006/relationships" xmlns:p="http://schemas.openxmlformats.org/presentationml/2006/main" showMasterSp="1" showMasterPhAnim="1">
   <p:cSld>
     <p:spTree>
@@ -9285,7 +10263,7 @@
       </p:grpSpPr>
       <p:sp>
         <p:nvSpPr>
-          <p:cNvPr id="247" name="Shape 234"/>
+          <p:cNvPr id="270" name="Shape 234"/>
           <p:cNvSpPr txBox="1"/>
           <p:nvPr>
             <p:ph type="title"/>
@@ -9313,7 +10291,7 @@
       </p:sp>
       <p:sp>
         <p:nvSpPr>
-          <p:cNvPr id="248" name="Shape 235"/>
+          <p:cNvPr id="271" name="Shape 235"/>
           <p:cNvSpPr txBox="1"/>
           <p:nvPr>
             <p:ph type="body" sz="half" idx="1"/>
@@ -9358,7 +10336,7 @@
       </p:sp>
       <p:pic>
         <p:nvPicPr>
-          <p:cNvPr id="249" name="Shape 236" descr="Shape 236"/>
+          <p:cNvPr id="272" name="Shape 236" descr="Shape 236"/>
           <p:cNvPicPr>
             <a:picLocks noChangeAspect="1"/>
           </p:cNvPicPr>
@@ -9394,7 +10372,7 @@
 </p:sld>
 </file>
 
-<file path=ppt/slides/slide18.xml><?xml version="1.0" encoding="utf-8"?>
+<file path=ppt/slides/slide25.xml><?xml version="1.0" encoding="utf-8"?>
 <p:sld xmlns:a="http://schemas.openxmlformats.org/drawingml/2006/main" xmlns:r="http://schemas.openxmlformats.org/officeDocument/2006/relationships" xmlns:p="http://schemas.openxmlformats.org/presentationml/2006/main" showMasterSp="1" showMasterPhAnim="1">
   <p:cSld>
     <p:spTree>
@@ -9413,7 +10391,7 @@
       </p:grpSpPr>
       <p:sp>
         <p:nvSpPr>
-          <p:cNvPr id="251" name="Shape 241"/>
+          <p:cNvPr id="274" name="Shape 241"/>
           <p:cNvSpPr txBox="1"/>
           <p:nvPr>
             <p:ph type="title"/>
@@ -9441,7 +10419,7 @@
       </p:sp>
       <p:sp>
         <p:nvSpPr>
-          <p:cNvPr id="252" name="Shape 242"/>
+          <p:cNvPr id="275" name="Shape 242"/>
           <p:cNvSpPr txBox="1"/>
           <p:nvPr>
             <p:ph type="body" idx="1"/>
@@ -9590,7 +10568,7 @@
 </p:sld>
 </file>
 
-<file path=ppt/slides/slide2.xml><?xml version="1.0" encoding="utf-8"?>
+<file path=ppt/slides/slide3.xml><?xml version="1.0" encoding="utf-8"?>
 <p:sld xmlns:a="http://schemas.openxmlformats.org/drawingml/2006/main" xmlns:r="http://schemas.openxmlformats.org/officeDocument/2006/relationships" xmlns:p="http://schemas.openxmlformats.org/presentationml/2006/main" showMasterSp="1" showMasterPhAnim="1">
   <p:cSld>
     <p:spTree>
@@ -9609,7 +10587,7 @@
       </p:grpSpPr>
       <p:sp>
         <p:nvSpPr>
-          <p:cNvPr id="192" name="Shape 140"/>
+          <p:cNvPr id="207" name="Shape 147"/>
           <p:cNvSpPr txBox="1"/>
           <p:nvPr>
             <p:ph type="title"/>
@@ -9630,159 +10608,14 @@
           <a:p>
             <a:pPr/>
             <a:r>
-              <a:t>Introduction</a:t>
+              <a:t>Screenshots of Timbits completed product</a:t>
             </a:r>
-          </a:p>
-        </p:txBody>
-      </p:sp>
-      <p:sp>
-        <p:nvSpPr>
-          <p:cNvPr id="193" name="Shape 141"/>
-          <p:cNvSpPr txBox="1"/>
-          <p:nvPr>
-            <p:ph type="body" idx="1"/>
-          </p:nvPr>
-        </p:nvSpPr>
-        <p:spPr>
-          <a:xfrm>
-            <a:off x="1297500" y="919774"/>
-            <a:ext cx="7038900" cy="2911201"/>
-          </a:xfrm>
-          <a:prstGeom prst="rect">
-            <a:avLst/>
-          </a:prstGeom>
-        </p:spPr>
-        <p:txBody>
-          <a:bodyPr/>
-          <a:lstStyle/>
-          <a:p>
-            <a:pPr marL="0" indent="0">
-              <a:spcBef>
-                <a:spcPts val="1600"/>
-              </a:spcBef>
-              <a:buSzTx/>
-              <a:buNone/>
-            </a:pPr>
           </a:p>
         </p:txBody>
       </p:sp>
       <p:pic>
         <p:nvPicPr>
-          <p:cNvPr id="194" name="Shape 142" descr="Shape 142"/>
-          <p:cNvPicPr>
-            <a:picLocks noChangeAspect="1"/>
-          </p:cNvPicPr>
-          <p:nvPr/>
-        </p:nvPicPr>
-        <p:blipFill>
-          <a:blip r:embed="rId2">
-            <a:extLst/>
-          </a:blip>
-          <a:stretch>
-            <a:fillRect/>
-          </a:stretch>
-        </p:blipFill>
-        <p:spPr>
-          <a:xfrm>
-            <a:off x="727075" y="1307850"/>
-            <a:ext cx="6852826" cy="3411426"/>
-          </a:xfrm>
-          <a:prstGeom prst="rect">
-            <a:avLst/>
-          </a:prstGeom>
-          <a:ln w="12700">
-            <a:miter lim="400000"/>
-          </a:ln>
-        </p:spPr>
-      </p:pic>
-    </p:spTree>
-  </p:cSld>
-  <p:clrMapOvr>
-    <a:masterClrMapping/>
-  </p:clrMapOvr>
-  <p:transition xmlns:p14="http://schemas.microsoft.com/office/powerpoint/2010/main" spd="med" advClick="1"/>
-</p:sld>
-</file>
-
-<file path=ppt/slides/slide3.xml><?xml version="1.0" encoding="utf-8"?>
-<p:sld xmlns:a="http://schemas.openxmlformats.org/drawingml/2006/main" xmlns:r="http://schemas.openxmlformats.org/officeDocument/2006/relationships" xmlns:p="http://schemas.openxmlformats.org/presentationml/2006/main" showMasterSp="1" showMasterPhAnim="1">
-  <p:cSld>
-    <p:spTree>
-      <p:nvGrpSpPr>
-        <p:cNvPr id="1" name=""/>
-        <p:cNvGrpSpPr/>
-        <p:nvPr/>
-      </p:nvGrpSpPr>
-      <p:grpSpPr>
-        <a:xfrm>
-          <a:off x="0" y="0"/>
-          <a:ext cx="0" cy="0"/>
-          <a:chOff x="0" y="0"/>
-          <a:chExt cx="0" cy="0"/>
-        </a:xfrm>
-      </p:grpSpPr>
-      <p:sp>
-        <p:nvSpPr>
-          <p:cNvPr id="196" name="Shape 147"/>
-          <p:cNvSpPr txBox="1"/>
-          <p:nvPr>
-            <p:ph type="title"/>
-          </p:nvPr>
-        </p:nvSpPr>
-        <p:spPr>
-          <a:xfrm>
-            <a:off x="1297500" y="393749"/>
-            <a:ext cx="7038900" cy="914102"/>
-          </a:xfrm>
-          <a:prstGeom prst="rect">
-            <a:avLst/>
-          </a:prstGeom>
-        </p:spPr>
-        <p:txBody>
-          <a:bodyPr/>
-          <a:lstStyle/>
-          <a:p>
-            <a:pPr/>
-            <a:r>
-              <a:t>Introduction</a:t>
-            </a:r>
-          </a:p>
-        </p:txBody>
-      </p:sp>
-      <p:sp>
-        <p:nvSpPr>
-          <p:cNvPr id="197" name="Shape 148"/>
-          <p:cNvSpPr txBox="1"/>
-          <p:nvPr>
-            <p:ph type="body" idx="1"/>
-          </p:nvPr>
-        </p:nvSpPr>
-        <p:spPr>
-          <a:xfrm>
-            <a:off x="1297500" y="919774"/>
-            <a:ext cx="7038900" cy="2911201"/>
-          </a:xfrm>
-          <a:prstGeom prst="rect">
-            <a:avLst/>
-          </a:prstGeom>
-        </p:spPr>
-        <p:txBody>
-          <a:bodyPr/>
-          <a:lstStyle/>
-          <a:p>
-            <a:pPr marL="0" indent="0">
-              <a:spcBef>
-                <a:spcPts val="1600"/>
-              </a:spcBef>
-              <a:buSzTx/>
-              <a:buNone/>
-            </a:pPr>
-          </a:p>
-        </p:txBody>
-      </p:sp>
-      <p:pic>
-        <p:nvPicPr>
-          <p:cNvPr id="198" name="Shape 149" descr="Shape 149"/>
+          <p:cNvPr id="208" name="Shape 149" descr="Shape 149"/>
           <p:cNvPicPr>
             <a:picLocks noChangeAspect="1"/>
           </p:cNvPicPr>
@@ -9837,7 +10670,7 @@
       </p:grpSpPr>
       <p:sp>
         <p:nvSpPr>
-          <p:cNvPr id="200" name="Shape 154"/>
+          <p:cNvPr id="210" name="Shape 154"/>
           <p:cNvSpPr txBox="1"/>
           <p:nvPr>
             <p:ph type="title"/>
@@ -9858,45 +10691,14 @@
           <a:p>
             <a:pPr/>
             <a:r>
-              <a:t>Introduction</a:t>
+              <a:t>Screenshots of Timbits completed product</a:t>
             </a:r>
-          </a:p>
-        </p:txBody>
-      </p:sp>
-      <p:sp>
-        <p:nvSpPr>
-          <p:cNvPr id="201" name="Shape 155"/>
-          <p:cNvSpPr txBox="1"/>
-          <p:nvPr>
-            <p:ph type="body" idx="1"/>
-          </p:nvPr>
-        </p:nvSpPr>
-        <p:spPr>
-          <a:xfrm>
-            <a:off x="1297500" y="919774"/>
-            <a:ext cx="7038900" cy="2911201"/>
-          </a:xfrm>
-          <a:prstGeom prst="rect">
-            <a:avLst/>
-          </a:prstGeom>
-        </p:spPr>
-        <p:txBody>
-          <a:bodyPr/>
-          <a:lstStyle/>
-          <a:p>
-            <a:pPr marL="0" indent="0">
-              <a:spcBef>
-                <a:spcPts val="1600"/>
-              </a:spcBef>
-              <a:buSzTx/>
-              <a:buNone/>
-            </a:pPr>
           </a:p>
         </p:txBody>
       </p:sp>
       <p:pic>
         <p:nvPicPr>
-          <p:cNvPr id="202" name="Shape 156" descr="Shape 156"/>
+          <p:cNvPr id="211" name="Shape 156" descr="Shape 156"/>
           <p:cNvPicPr>
             <a:picLocks noChangeAspect="1"/>
           </p:cNvPicPr>
@@ -9951,7 +10753,7 @@
       </p:grpSpPr>
       <p:sp>
         <p:nvSpPr>
-          <p:cNvPr id="204" name="Shape 161"/>
+          <p:cNvPr id="213" name="Shape 161"/>
           <p:cNvSpPr txBox="1"/>
           <p:nvPr>
             <p:ph type="title"/>
@@ -9972,45 +10774,14 @@
           <a:p>
             <a:pPr/>
             <a:r>
-              <a:t>Introduction</a:t>
+              <a:t>Screenshots of Timbits completed product</a:t>
             </a:r>
-          </a:p>
-        </p:txBody>
-      </p:sp>
-      <p:sp>
-        <p:nvSpPr>
-          <p:cNvPr id="205" name="Shape 162"/>
-          <p:cNvSpPr txBox="1"/>
-          <p:nvPr>
-            <p:ph type="body" idx="1"/>
-          </p:nvPr>
-        </p:nvSpPr>
-        <p:spPr>
-          <a:xfrm>
-            <a:off x="1297500" y="919774"/>
-            <a:ext cx="7038900" cy="2911201"/>
-          </a:xfrm>
-          <a:prstGeom prst="rect">
-            <a:avLst/>
-          </a:prstGeom>
-        </p:spPr>
-        <p:txBody>
-          <a:bodyPr/>
-          <a:lstStyle/>
-          <a:p>
-            <a:pPr marL="0" indent="0">
-              <a:spcBef>
-                <a:spcPts val="1600"/>
-              </a:spcBef>
-              <a:buSzTx/>
-              <a:buNone/>
-            </a:pPr>
           </a:p>
         </p:txBody>
       </p:sp>
       <p:pic>
         <p:nvPicPr>
-          <p:cNvPr id="206" name="Shape 163" descr="Shape 163"/>
+          <p:cNvPr id="214" name="Shape 163" descr="Shape 163"/>
           <p:cNvPicPr>
             <a:picLocks noChangeAspect="1"/>
           </p:cNvPicPr>
@@ -10026,8 +10797,8 @@
         </p:blipFill>
         <p:spPr>
           <a:xfrm>
-            <a:off x="1096675" y="1307847"/>
-            <a:ext cx="6336049" cy="3160027"/>
+            <a:off x="1096674" y="1052123"/>
+            <a:ext cx="6950652" cy="3466551"/>
           </a:xfrm>
           <a:prstGeom prst="rect">
             <a:avLst/>
@@ -10065,7 +10836,7 @@
       </p:grpSpPr>
       <p:sp>
         <p:nvSpPr>
-          <p:cNvPr id="208" name="Shape 168"/>
+          <p:cNvPr id="216" name="Shape 168"/>
           <p:cNvSpPr txBox="1"/>
           <p:nvPr>
             <p:ph type="title"/>
@@ -10091,40 +10862,9 @@
           </a:p>
         </p:txBody>
       </p:sp>
-      <p:sp>
-        <p:nvSpPr>
-          <p:cNvPr id="209" name="Shape 169"/>
-          <p:cNvSpPr txBox="1"/>
-          <p:nvPr>
-            <p:ph type="body" idx="1"/>
-          </p:nvPr>
-        </p:nvSpPr>
-        <p:spPr>
-          <a:xfrm>
-            <a:off x="1297500" y="919774"/>
-            <a:ext cx="7038900" cy="2911201"/>
-          </a:xfrm>
-          <a:prstGeom prst="rect">
-            <a:avLst/>
-          </a:prstGeom>
-        </p:spPr>
-        <p:txBody>
-          <a:bodyPr/>
-          <a:lstStyle/>
-          <a:p>
-            <a:pPr marL="0" indent="0">
-              <a:spcBef>
-                <a:spcPts val="1600"/>
-              </a:spcBef>
-              <a:buSzTx/>
-              <a:buNone/>
-            </a:pPr>
-          </a:p>
-        </p:txBody>
-      </p:sp>
       <p:pic>
         <p:nvPicPr>
-          <p:cNvPr id="210" name="Shape 170" descr="Shape 170"/>
+          <p:cNvPr id="217" name="Shape 170" descr="Shape 170"/>
           <p:cNvPicPr>
             <a:picLocks noChangeAspect="1"/>
           </p:cNvPicPr>
@@ -10140,8 +10880,8 @@
         </p:blipFill>
         <p:spPr>
           <a:xfrm>
-            <a:off x="1297499" y="1307846"/>
-            <a:ext cx="5986026" cy="3233424"/>
+            <a:off x="1297499" y="1003748"/>
+            <a:ext cx="6549002" cy="3537522"/>
           </a:xfrm>
           <a:prstGeom prst="rect">
             <a:avLst/>
@@ -10179,7 +10919,7 @@
       </p:grpSpPr>
       <p:sp>
         <p:nvSpPr>
-          <p:cNvPr id="212" name="Shape 175"/>
+          <p:cNvPr id="219" name="Shape 175"/>
           <p:cNvSpPr txBox="1"/>
           <p:nvPr>
             <p:ph type="title"/>
@@ -10205,40 +10945,9 @@
           </a:p>
         </p:txBody>
       </p:sp>
-      <p:sp>
-        <p:nvSpPr>
-          <p:cNvPr id="213" name="Shape 176"/>
-          <p:cNvSpPr txBox="1"/>
-          <p:nvPr>
-            <p:ph type="body" idx="1"/>
-          </p:nvPr>
-        </p:nvSpPr>
-        <p:spPr>
-          <a:xfrm>
-            <a:off x="1297500" y="919774"/>
-            <a:ext cx="7038900" cy="2911201"/>
-          </a:xfrm>
-          <a:prstGeom prst="rect">
-            <a:avLst/>
-          </a:prstGeom>
-        </p:spPr>
-        <p:txBody>
-          <a:bodyPr/>
-          <a:lstStyle/>
-          <a:p>
-            <a:pPr marL="0" indent="0">
-              <a:spcBef>
-                <a:spcPts val="1600"/>
-              </a:spcBef>
-              <a:buSzTx/>
-              <a:buNone/>
-            </a:pPr>
-          </a:p>
-        </p:txBody>
-      </p:sp>
       <p:pic>
         <p:nvPicPr>
-          <p:cNvPr id="214" name="Shape 177" descr="Shape 177"/>
+          <p:cNvPr id="220" name="Shape 177" descr="Shape 177"/>
           <p:cNvPicPr>
             <a:picLocks noChangeAspect="1"/>
           </p:cNvPicPr>
@@ -10254,8 +10963,8 @@
         </p:blipFill>
         <p:spPr>
           <a:xfrm>
-            <a:off x="534775" y="1307850"/>
-            <a:ext cx="8031275" cy="3292426"/>
+            <a:off x="801312" y="1130050"/>
+            <a:ext cx="8031276" cy="3292426"/>
           </a:xfrm>
           <a:prstGeom prst="rect">
             <a:avLst/>
@@ -10293,7 +11002,7 @@
       </p:grpSpPr>
       <p:sp>
         <p:nvSpPr>
-          <p:cNvPr id="216" name="Shape 182"/>
+          <p:cNvPr id="222" name="Shape 182"/>
           <p:cNvSpPr txBox="1"/>
           <p:nvPr>
             <p:ph type="title"/>
@@ -10319,40 +11028,9 @@
           </a:p>
         </p:txBody>
       </p:sp>
-      <p:sp>
-        <p:nvSpPr>
-          <p:cNvPr id="217" name="Shape 183"/>
-          <p:cNvSpPr txBox="1"/>
-          <p:nvPr>
-            <p:ph type="body" idx="1"/>
-          </p:nvPr>
-        </p:nvSpPr>
-        <p:spPr>
-          <a:xfrm>
-            <a:off x="1297500" y="919774"/>
-            <a:ext cx="7038900" cy="2911201"/>
-          </a:xfrm>
-          <a:prstGeom prst="rect">
-            <a:avLst/>
-          </a:prstGeom>
-        </p:spPr>
-        <p:txBody>
-          <a:bodyPr/>
-          <a:lstStyle/>
-          <a:p>
-            <a:pPr marL="0" indent="0">
-              <a:spcBef>
-                <a:spcPts val="1600"/>
-              </a:spcBef>
-              <a:buSzTx/>
-              <a:buNone/>
-            </a:pPr>
-          </a:p>
-        </p:txBody>
-      </p:sp>
       <p:pic>
         <p:nvPicPr>
-          <p:cNvPr id="218" name="Shape 184" descr="Shape 184"/>
+          <p:cNvPr id="223" name="Shape 184" descr="Shape 184"/>
           <p:cNvPicPr>
             <a:picLocks noChangeAspect="1"/>
           </p:cNvPicPr>
@@ -10368,8 +11046,8 @@
         </p:blipFill>
         <p:spPr>
           <a:xfrm>
-            <a:off x="995824" y="1755450"/>
-            <a:ext cx="7558401" cy="2017076"/>
+            <a:off x="706661" y="1755450"/>
+            <a:ext cx="7847564" cy="2094244"/>
           </a:xfrm>
           <a:prstGeom prst="rect">
             <a:avLst/>
@@ -10407,7 +11085,7 @@
       </p:grpSpPr>
       <p:sp>
         <p:nvSpPr>
-          <p:cNvPr id="220" name="Shape 189"/>
+          <p:cNvPr id="225" name="Shape 189"/>
           <p:cNvSpPr txBox="1"/>
           <p:nvPr>
             <p:ph type="title"/>
@@ -10433,40 +11111,9 @@
           </a:p>
         </p:txBody>
       </p:sp>
-      <p:sp>
-        <p:nvSpPr>
-          <p:cNvPr id="221" name="Shape 190"/>
-          <p:cNvSpPr txBox="1"/>
-          <p:nvPr>
-            <p:ph type="body" idx="1"/>
-          </p:nvPr>
-        </p:nvSpPr>
-        <p:spPr>
-          <a:xfrm>
-            <a:off x="1297500" y="919774"/>
-            <a:ext cx="7038900" cy="2911201"/>
-          </a:xfrm>
-          <a:prstGeom prst="rect">
-            <a:avLst/>
-          </a:prstGeom>
-        </p:spPr>
-        <p:txBody>
-          <a:bodyPr/>
-          <a:lstStyle/>
-          <a:p>
-            <a:pPr marL="0" indent="0">
-              <a:spcBef>
-                <a:spcPts val="1600"/>
-              </a:spcBef>
-              <a:buSzTx/>
-              <a:buNone/>
-            </a:pPr>
-          </a:p>
-        </p:txBody>
-      </p:sp>
       <p:pic>
         <p:nvPicPr>
-          <p:cNvPr id="222" name="Shape 191" descr="Shape 191"/>
+          <p:cNvPr id="226" name="Shape 191" descr="Shape 191"/>
           <p:cNvPicPr>
             <a:picLocks noChangeAspect="1"/>
           </p:cNvPicPr>
@@ -10545,14 +11192,14 @@
     </a:clrScheme>
     <a:fontScheme name="Focus">
       <a:majorFont>
+        <a:latin typeface="Helvetica"/>
+        <a:ea typeface="Helvetica"/>
+        <a:cs typeface="Helvetica"/>
+      </a:majorFont>
+      <a:minorFont>
         <a:latin typeface="Arial"/>
         <a:ea typeface="Arial"/>
         <a:cs typeface="Arial"/>
-      </a:majorFont>
-      <a:minorFont>
-        <a:latin typeface="Helvetica"/>
-        <a:ea typeface="Helvetica"/>
-        <a:cs typeface="Helvetica"/>
       </a:minorFont>
     </a:fontScheme>
     <a:fmtScheme name="Focus">
@@ -10757,9 +11404,9 @@
             </a:solidFill>
             <a:effectLst/>
             <a:uFillTx/>
-            <a:latin typeface="+mj-lt"/>
-            <a:ea typeface="+mj-ea"/>
-            <a:cs typeface="+mj-cs"/>
+            <a:latin typeface="+mn-lt"/>
+            <a:ea typeface="+mn-ea"/>
+            <a:cs typeface="+mn-cs"/>
             <a:sym typeface="Arial"/>
           </a:defRPr>
         </a:defPPr>
@@ -11334,9 +11981,9 @@
             </a:solidFill>
             <a:effectLst/>
             <a:uFillTx/>
-            <a:latin typeface="+mj-lt"/>
-            <a:ea typeface="+mj-ea"/>
-            <a:cs typeface="+mj-cs"/>
+            <a:latin typeface="+mn-lt"/>
+            <a:ea typeface="+mn-ea"/>
+            <a:cs typeface="+mn-cs"/>
             <a:sym typeface="Arial"/>
           </a:defRPr>
         </a:defPPr>
@@ -11629,14 +12276,14 @@
     </a:clrScheme>
     <a:fontScheme name="Focus">
       <a:majorFont>
+        <a:latin typeface="Helvetica"/>
+        <a:ea typeface="Helvetica"/>
+        <a:cs typeface="Helvetica"/>
+      </a:majorFont>
+      <a:minorFont>
         <a:latin typeface="Arial"/>
         <a:ea typeface="Arial"/>
         <a:cs typeface="Arial"/>
-      </a:majorFont>
-      <a:minorFont>
-        <a:latin typeface="Helvetica"/>
-        <a:ea typeface="Helvetica"/>
-        <a:cs typeface="Helvetica"/>
       </a:minorFont>
     </a:fontScheme>
     <a:fmtScheme name="Focus">
@@ -11841,9 +12488,9 @@
             </a:solidFill>
             <a:effectLst/>
             <a:uFillTx/>
-            <a:latin typeface="+mj-lt"/>
-            <a:ea typeface="+mj-ea"/>
-            <a:cs typeface="+mj-cs"/>
+            <a:latin typeface="+mn-lt"/>
+            <a:ea typeface="+mn-ea"/>
+            <a:cs typeface="+mn-cs"/>
             <a:sym typeface="Arial"/>
           </a:defRPr>
         </a:defPPr>
@@ -12418,9 +13065,9 @@
             </a:solidFill>
             <a:effectLst/>
             <a:uFillTx/>
-            <a:latin typeface="+mj-lt"/>
-            <a:ea typeface="+mj-ea"/>
-            <a:cs typeface="+mj-cs"/>
+            <a:latin typeface="+mn-lt"/>
+            <a:ea typeface="+mn-ea"/>
+            <a:cs typeface="+mn-cs"/>
             <a:sym typeface="Arial"/>
           </a:defRPr>
         </a:defPPr>
